--- a/Hotel project ppt.pptx
+++ b/Hotel project ppt.pptx
@@ -2316,42 +2316,42 @@
     </dgm:pt>
   </dgm:ptLst>
   <dgm:cxnLst>
-    <dgm:cxn modelId="{74B82C22-76CA-44E0-BC95-C477DA235413}" type="presOf" srcId="{51766A1D-43A1-44EF-9E2D-B7C32F2708A0}" destId="{B32F4529-947C-4DC1-B4CC-6EB01DE451E2}" srcOrd="0" destOrd="0" presId="urn:microsoft.com/office/officeart/2005/8/layout/hierarchy1"/>
+    <dgm:cxn modelId="{36A75005-F555-486F-8A94-FD0EF8C8DFC2}" type="presOf" srcId="{92F7B916-C7D4-415E-97C9-701BB8710795}" destId="{80464104-1040-4F15-9D74-D17E0985F0A4}" srcOrd="0" destOrd="0" presId="urn:microsoft.com/office/officeart/2005/8/layout/hierarchy1"/>
+    <dgm:cxn modelId="{5857AE1C-F227-4666-BA44-20A5B151A2BD}" type="presOf" srcId="{51766A1D-43A1-44EF-9E2D-B7C32F2708A0}" destId="{B32F4529-947C-4DC1-B4CC-6EB01DE451E2}" srcOrd="0" destOrd="0" presId="urn:microsoft.com/office/officeart/2005/8/layout/hierarchy1"/>
     <dgm:cxn modelId="{D3728E3E-4784-48F3-B2D3-8845A1EACE8E}" srcId="{5E867088-C7B2-415F-BBF2-1B5C8912B06F}" destId="{51766A1D-43A1-44EF-9E2D-B7C32F2708A0}" srcOrd="4" destOrd="0" parTransId="{767E330A-9D1B-4B97-B89E-F228E898E42E}" sibTransId="{7A52A2F3-7920-49B9-A987-118C8110095E}"/>
-    <dgm:cxn modelId="{818AC365-D51F-4630-B052-19D65BDE69D2}" type="presOf" srcId="{755FC91B-88A7-4C96-B40E-19FC4A96714D}" destId="{BC12AAEC-9AF7-4447-AE3D-FB654DA30E80}" srcOrd="0" destOrd="0" presId="urn:microsoft.com/office/officeart/2005/8/layout/hierarchy1"/>
     <dgm:cxn modelId="{01647346-9D11-4C12-A935-90B0BAB03DE7}" srcId="{5E867088-C7B2-415F-BBF2-1B5C8912B06F}" destId="{66B5838B-8D81-4E4C-9DE4-5C010C7E1160}" srcOrd="1" destOrd="0" parTransId="{58E09AF1-C405-4B1C-A7A9-F48E973B1FDA}" sibTransId="{9EAB3C84-9D8E-4D52-8A1F-C4D0B86B45CE}"/>
+    <dgm:cxn modelId="{5BF58E66-ECF5-42B1-85A7-DFFDC93AA4A3}" type="presOf" srcId="{9ADA30DE-E420-4C47-91DA-832180AF1606}" destId="{C1A2E8E5-FC12-4754-A0C1-6D8E97864128}" srcOrd="0" destOrd="0" presId="urn:microsoft.com/office/officeart/2005/8/layout/hierarchy1"/>
     <dgm:cxn modelId="{8FD2AD74-05F6-418A-9ED4-7B4F8174DA4D}" srcId="{5E867088-C7B2-415F-BBF2-1B5C8912B06F}" destId="{755FC91B-88A7-4C96-B40E-19FC4A96714D}" srcOrd="2" destOrd="0" parTransId="{4563B1C8-22F4-4DF3-90EF-FBAD4618B5A0}" sibTransId="{07739B51-068E-4D78-BB25-ADD0BFF01928}"/>
+    <dgm:cxn modelId="{D7578B77-C74C-46D9-B0C0-21CB22276304}" type="presOf" srcId="{755FC91B-88A7-4C96-B40E-19FC4A96714D}" destId="{BC12AAEC-9AF7-4447-AE3D-FB654DA30E80}" srcOrd="0" destOrd="0" presId="urn:microsoft.com/office/officeart/2005/8/layout/hierarchy1"/>
+    <dgm:cxn modelId="{05395559-0EB1-41D2-86A5-4727EA7CD558}" type="presOf" srcId="{5E867088-C7B2-415F-BBF2-1B5C8912B06F}" destId="{A1B78445-D273-4414-A559-D35CDD4433BF}" srcOrd="0" destOrd="0" presId="urn:microsoft.com/office/officeart/2005/8/layout/hierarchy1"/>
     <dgm:cxn modelId="{B46B007A-DEE8-48B6-A35F-0024FFA6C988}" srcId="{5E867088-C7B2-415F-BBF2-1B5C8912B06F}" destId="{9ADA30DE-E420-4C47-91DA-832180AF1606}" srcOrd="3" destOrd="0" parTransId="{14048BF4-6D81-4C3E-AAA8-F4EC244FD47A}" sibTransId="{68AC20DA-A066-4328-8F4A-FB96BE7FDE69}"/>
-    <dgm:cxn modelId="{B651849A-00D9-450E-8791-F6ADC7CDBF5C}" type="presOf" srcId="{5E867088-C7B2-415F-BBF2-1B5C8912B06F}" destId="{A1B78445-D273-4414-A559-D35CDD4433BF}" srcOrd="0" destOrd="0" presId="urn:microsoft.com/office/officeart/2005/8/layout/hierarchy1"/>
-    <dgm:cxn modelId="{B6E2A99B-D936-4A2A-9655-CC9CA9CC257F}" type="presOf" srcId="{66B5838B-8D81-4E4C-9DE4-5C010C7E1160}" destId="{3BCF858E-CD74-4B7F-A912-BC01CBA15F0F}" srcOrd="0" destOrd="0" presId="urn:microsoft.com/office/officeart/2005/8/layout/hierarchy1"/>
-    <dgm:cxn modelId="{8FBEA99C-E51D-4A9F-9147-A217204DFA42}" type="presOf" srcId="{92F7B916-C7D4-415E-97C9-701BB8710795}" destId="{80464104-1040-4F15-9D74-D17E0985F0A4}" srcOrd="0" destOrd="0" presId="urn:microsoft.com/office/officeart/2005/8/layout/hierarchy1"/>
+    <dgm:cxn modelId="{5309CCB2-8171-4FA6-B7A8-2EB58EA727B1}" type="presOf" srcId="{66B5838B-8D81-4E4C-9DE4-5C010C7E1160}" destId="{3BCF858E-CD74-4B7F-A912-BC01CBA15F0F}" srcOrd="0" destOrd="0" presId="urn:microsoft.com/office/officeart/2005/8/layout/hierarchy1"/>
     <dgm:cxn modelId="{AB32BFE8-63A4-408B-86D3-6F6AB8344FF4}" srcId="{5E867088-C7B2-415F-BBF2-1B5C8912B06F}" destId="{92F7B916-C7D4-415E-97C9-701BB8710795}" srcOrd="0" destOrd="0" parTransId="{A07378FF-CBF3-45A3-82C4-4CCF777A7FE0}" sibTransId="{344F536C-DC19-4003-8715-CB5018427586}"/>
-    <dgm:cxn modelId="{1DBDF7FD-1B3F-4935-B316-DC30AEBD135D}" type="presOf" srcId="{9ADA30DE-E420-4C47-91DA-832180AF1606}" destId="{C1A2E8E5-FC12-4754-A0C1-6D8E97864128}" srcOrd="0" destOrd="0" presId="urn:microsoft.com/office/officeart/2005/8/layout/hierarchy1"/>
-    <dgm:cxn modelId="{03F95E16-2AC3-4D4C-B5E7-65757D9B1846}" type="presParOf" srcId="{A1B78445-D273-4414-A559-D35CDD4433BF}" destId="{5F6A1195-49CC-4B55-9774-DE158D6A9A56}" srcOrd="0" destOrd="0" presId="urn:microsoft.com/office/officeart/2005/8/layout/hierarchy1"/>
-    <dgm:cxn modelId="{BEF3B3B4-6FF8-4F83-82C0-3D04ED1426AF}" type="presParOf" srcId="{5F6A1195-49CC-4B55-9774-DE158D6A9A56}" destId="{54B7699F-CDB6-4380-ABB1-F8D7CE759A85}" srcOrd="0" destOrd="0" presId="urn:microsoft.com/office/officeart/2005/8/layout/hierarchy1"/>
-    <dgm:cxn modelId="{7E3D885F-A00D-4820-B8CE-44B2A18679E9}" type="presParOf" srcId="{54B7699F-CDB6-4380-ABB1-F8D7CE759A85}" destId="{6E4E7336-1289-4B02-AF1D-C1BBBD6F682F}" srcOrd="0" destOrd="0" presId="urn:microsoft.com/office/officeart/2005/8/layout/hierarchy1"/>
-    <dgm:cxn modelId="{D82EA73F-9F02-4BDB-AA41-5E24939A92CE}" type="presParOf" srcId="{54B7699F-CDB6-4380-ABB1-F8D7CE759A85}" destId="{80464104-1040-4F15-9D74-D17E0985F0A4}" srcOrd="1" destOrd="0" presId="urn:microsoft.com/office/officeart/2005/8/layout/hierarchy1"/>
-    <dgm:cxn modelId="{E047C0C8-E595-412B-A700-75ECF20251D9}" type="presParOf" srcId="{5F6A1195-49CC-4B55-9774-DE158D6A9A56}" destId="{F079BAEC-B013-4A5B-A692-9EB1879A7A95}" srcOrd="1" destOrd="0" presId="urn:microsoft.com/office/officeart/2005/8/layout/hierarchy1"/>
-    <dgm:cxn modelId="{A86CDA60-449B-41C3-A05F-8266F030A2DA}" type="presParOf" srcId="{A1B78445-D273-4414-A559-D35CDD4433BF}" destId="{4AF6690F-0BFF-4323-95F4-599021859DBC}" srcOrd="1" destOrd="0" presId="urn:microsoft.com/office/officeart/2005/8/layout/hierarchy1"/>
-    <dgm:cxn modelId="{6A07A48E-104F-4E79-9D7B-163BC7204D29}" type="presParOf" srcId="{4AF6690F-0BFF-4323-95F4-599021859DBC}" destId="{998D2E61-0501-43B4-9811-253DA1133194}" srcOrd="0" destOrd="0" presId="urn:microsoft.com/office/officeart/2005/8/layout/hierarchy1"/>
-    <dgm:cxn modelId="{BF4F0264-0828-40B2-8AE4-14305C27F8A5}" type="presParOf" srcId="{998D2E61-0501-43B4-9811-253DA1133194}" destId="{015CE38C-8858-4F2C-99F7-1D78FF0DCC44}" srcOrd="0" destOrd="0" presId="urn:microsoft.com/office/officeart/2005/8/layout/hierarchy1"/>
-    <dgm:cxn modelId="{E44C0689-D39D-433E-A62B-EBBFA92D3A74}" type="presParOf" srcId="{998D2E61-0501-43B4-9811-253DA1133194}" destId="{3BCF858E-CD74-4B7F-A912-BC01CBA15F0F}" srcOrd="1" destOrd="0" presId="urn:microsoft.com/office/officeart/2005/8/layout/hierarchy1"/>
-    <dgm:cxn modelId="{BE5E455B-8154-4919-88C9-DF4B9A348B81}" type="presParOf" srcId="{4AF6690F-0BFF-4323-95F4-599021859DBC}" destId="{98785527-1282-4A02-8EFE-720F139E8A70}" srcOrd="1" destOrd="0" presId="urn:microsoft.com/office/officeart/2005/8/layout/hierarchy1"/>
-    <dgm:cxn modelId="{5BDF4E9D-ABDD-4036-B90C-51A2AC75C29D}" type="presParOf" srcId="{A1B78445-D273-4414-A559-D35CDD4433BF}" destId="{AFF323F6-3E42-4AFE-BEED-1FFB63DD7F5A}" srcOrd="2" destOrd="0" presId="urn:microsoft.com/office/officeart/2005/8/layout/hierarchy1"/>
-    <dgm:cxn modelId="{5586A3C4-65F9-4C22-8500-120B2E418C84}" type="presParOf" srcId="{AFF323F6-3E42-4AFE-BEED-1FFB63DD7F5A}" destId="{AA8B44AF-62E2-482B-B3FC-7FB746293A75}" srcOrd="0" destOrd="0" presId="urn:microsoft.com/office/officeart/2005/8/layout/hierarchy1"/>
-    <dgm:cxn modelId="{621441CB-2D26-4477-AA81-94A238FDD4AF}" type="presParOf" srcId="{AA8B44AF-62E2-482B-B3FC-7FB746293A75}" destId="{F8538592-6746-4C4B-94F2-6F78C027A106}" srcOrd="0" destOrd="0" presId="urn:microsoft.com/office/officeart/2005/8/layout/hierarchy1"/>
-    <dgm:cxn modelId="{E93F74CE-1A3B-4CE3-8067-580B9366FF44}" type="presParOf" srcId="{AA8B44AF-62E2-482B-B3FC-7FB746293A75}" destId="{BC12AAEC-9AF7-4447-AE3D-FB654DA30E80}" srcOrd="1" destOrd="0" presId="urn:microsoft.com/office/officeart/2005/8/layout/hierarchy1"/>
-    <dgm:cxn modelId="{F727D25A-4055-4209-8353-50BF0BB74CE4}" type="presParOf" srcId="{AFF323F6-3E42-4AFE-BEED-1FFB63DD7F5A}" destId="{A418733D-1129-4312-AA99-2750D6345652}" srcOrd="1" destOrd="0" presId="urn:microsoft.com/office/officeart/2005/8/layout/hierarchy1"/>
-    <dgm:cxn modelId="{AF849DA8-982D-48B7-8C0D-7AA0960A7079}" type="presParOf" srcId="{A1B78445-D273-4414-A559-D35CDD4433BF}" destId="{638B6A6C-9A76-4D9D-8C5B-BBD084BFD7E5}" srcOrd="3" destOrd="0" presId="urn:microsoft.com/office/officeart/2005/8/layout/hierarchy1"/>
-    <dgm:cxn modelId="{0F782CB1-3E47-4175-8F74-E2F51764104B}" type="presParOf" srcId="{638B6A6C-9A76-4D9D-8C5B-BBD084BFD7E5}" destId="{4D21D60B-5835-4820-A04A-97FD88F94060}" srcOrd="0" destOrd="0" presId="urn:microsoft.com/office/officeart/2005/8/layout/hierarchy1"/>
-    <dgm:cxn modelId="{628979A4-5ADD-4684-BF06-C6645E74DBC6}" type="presParOf" srcId="{4D21D60B-5835-4820-A04A-97FD88F94060}" destId="{5CAAE894-2002-4A31-BE62-43B09BF25004}" srcOrd="0" destOrd="0" presId="urn:microsoft.com/office/officeart/2005/8/layout/hierarchy1"/>
-    <dgm:cxn modelId="{12329FBB-DD23-4225-B1AB-D13F056FAD0C}" type="presParOf" srcId="{4D21D60B-5835-4820-A04A-97FD88F94060}" destId="{C1A2E8E5-FC12-4754-A0C1-6D8E97864128}" srcOrd="1" destOrd="0" presId="urn:microsoft.com/office/officeart/2005/8/layout/hierarchy1"/>
-    <dgm:cxn modelId="{F3A6E435-A61A-4A6B-BE50-B5389D2B2572}" type="presParOf" srcId="{638B6A6C-9A76-4D9D-8C5B-BBD084BFD7E5}" destId="{265A01EB-A5EA-4A9A-8F44-FF6B99177EC8}" srcOrd="1" destOrd="0" presId="urn:microsoft.com/office/officeart/2005/8/layout/hierarchy1"/>
-    <dgm:cxn modelId="{00E65D99-DC2B-4BD6-9F1A-F8BC26766723}" type="presParOf" srcId="{A1B78445-D273-4414-A559-D35CDD4433BF}" destId="{7EA97288-257C-42DE-AF6F-8E488F4B40A3}" srcOrd="4" destOrd="0" presId="urn:microsoft.com/office/officeart/2005/8/layout/hierarchy1"/>
-    <dgm:cxn modelId="{762AFC24-BC13-43F2-99C2-A85F7A671752}" type="presParOf" srcId="{7EA97288-257C-42DE-AF6F-8E488F4B40A3}" destId="{AF173E2C-F842-4CB5-B0FC-AFECD7A40202}" srcOrd="0" destOrd="0" presId="urn:microsoft.com/office/officeart/2005/8/layout/hierarchy1"/>
-    <dgm:cxn modelId="{0372968D-5C3D-410D-80B2-D57A39FA07B6}" type="presParOf" srcId="{AF173E2C-F842-4CB5-B0FC-AFECD7A40202}" destId="{FB8ADE91-CA5F-4F12-A14E-7F4C2C3AE404}" srcOrd="0" destOrd="0" presId="urn:microsoft.com/office/officeart/2005/8/layout/hierarchy1"/>
-    <dgm:cxn modelId="{946F45AA-C8C3-426D-BF5B-2FB7ACBDBADC}" type="presParOf" srcId="{AF173E2C-F842-4CB5-B0FC-AFECD7A40202}" destId="{B32F4529-947C-4DC1-B4CC-6EB01DE451E2}" srcOrd="1" destOrd="0" presId="urn:microsoft.com/office/officeart/2005/8/layout/hierarchy1"/>
-    <dgm:cxn modelId="{37EAAB58-B06C-4F46-ABE0-2F751F3D843D}" type="presParOf" srcId="{7EA97288-257C-42DE-AF6F-8E488F4B40A3}" destId="{50B9D493-74E5-470A-BDE0-348C8335BA82}" srcOrd="1" destOrd="0" presId="urn:microsoft.com/office/officeart/2005/8/layout/hierarchy1"/>
+    <dgm:cxn modelId="{B2E22A32-03E2-4C02-947F-1190B8FA0013}" type="presParOf" srcId="{A1B78445-D273-4414-A559-D35CDD4433BF}" destId="{5F6A1195-49CC-4B55-9774-DE158D6A9A56}" srcOrd="0" destOrd="0" presId="urn:microsoft.com/office/officeart/2005/8/layout/hierarchy1"/>
+    <dgm:cxn modelId="{5DCA481E-2047-4F45-99EC-AC6ACE9F9AC9}" type="presParOf" srcId="{5F6A1195-49CC-4B55-9774-DE158D6A9A56}" destId="{54B7699F-CDB6-4380-ABB1-F8D7CE759A85}" srcOrd="0" destOrd="0" presId="urn:microsoft.com/office/officeart/2005/8/layout/hierarchy1"/>
+    <dgm:cxn modelId="{CD58FB2D-918F-4880-9328-041EBC9DB24F}" type="presParOf" srcId="{54B7699F-CDB6-4380-ABB1-F8D7CE759A85}" destId="{6E4E7336-1289-4B02-AF1D-C1BBBD6F682F}" srcOrd="0" destOrd="0" presId="urn:microsoft.com/office/officeart/2005/8/layout/hierarchy1"/>
+    <dgm:cxn modelId="{5EE012EF-DEF5-4F99-8B5C-A42D4699CDAB}" type="presParOf" srcId="{54B7699F-CDB6-4380-ABB1-F8D7CE759A85}" destId="{80464104-1040-4F15-9D74-D17E0985F0A4}" srcOrd="1" destOrd="0" presId="urn:microsoft.com/office/officeart/2005/8/layout/hierarchy1"/>
+    <dgm:cxn modelId="{226E9F71-AEDB-4DCA-A7FB-EB1CC220F9A0}" type="presParOf" srcId="{5F6A1195-49CC-4B55-9774-DE158D6A9A56}" destId="{F079BAEC-B013-4A5B-A692-9EB1879A7A95}" srcOrd="1" destOrd="0" presId="urn:microsoft.com/office/officeart/2005/8/layout/hierarchy1"/>
+    <dgm:cxn modelId="{388E3A1E-ECB6-4AF9-ADFD-AF17533C82C9}" type="presParOf" srcId="{A1B78445-D273-4414-A559-D35CDD4433BF}" destId="{4AF6690F-0BFF-4323-95F4-599021859DBC}" srcOrd="1" destOrd="0" presId="urn:microsoft.com/office/officeart/2005/8/layout/hierarchy1"/>
+    <dgm:cxn modelId="{2A3E00D8-C616-4633-9C09-B375017E2FF6}" type="presParOf" srcId="{4AF6690F-0BFF-4323-95F4-599021859DBC}" destId="{998D2E61-0501-43B4-9811-253DA1133194}" srcOrd="0" destOrd="0" presId="urn:microsoft.com/office/officeart/2005/8/layout/hierarchy1"/>
+    <dgm:cxn modelId="{F1AE4F2E-D00C-4DDC-8250-3400D685580A}" type="presParOf" srcId="{998D2E61-0501-43B4-9811-253DA1133194}" destId="{015CE38C-8858-4F2C-99F7-1D78FF0DCC44}" srcOrd="0" destOrd="0" presId="urn:microsoft.com/office/officeart/2005/8/layout/hierarchy1"/>
+    <dgm:cxn modelId="{C4E4E12E-9C68-4F39-A884-514D540327BD}" type="presParOf" srcId="{998D2E61-0501-43B4-9811-253DA1133194}" destId="{3BCF858E-CD74-4B7F-A912-BC01CBA15F0F}" srcOrd="1" destOrd="0" presId="urn:microsoft.com/office/officeart/2005/8/layout/hierarchy1"/>
+    <dgm:cxn modelId="{5C6A4CD3-DDE4-4F0F-B72D-02DB3CF84635}" type="presParOf" srcId="{4AF6690F-0BFF-4323-95F4-599021859DBC}" destId="{98785527-1282-4A02-8EFE-720F139E8A70}" srcOrd="1" destOrd="0" presId="urn:microsoft.com/office/officeart/2005/8/layout/hierarchy1"/>
+    <dgm:cxn modelId="{4C297C7B-F326-4048-AD1F-E1B2AC80B974}" type="presParOf" srcId="{A1B78445-D273-4414-A559-D35CDD4433BF}" destId="{AFF323F6-3E42-4AFE-BEED-1FFB63DD7F5A}" srcOrd="2" destOrd="0" presId="urn:microsoft.com/office/officeart/2005/8/layout/hierarchy1"/>
+    <dgm:cxn modelId="{37F52888-3A54-4D53-86B8-1CD79FE37A3A}" type="presParOf" srcId="{AFF323F6-3E42-4AFE-BEED-1FFB63DD7F5A}" destId="{AA8B44AF-62E2-482B-B3FC-7FB746293A75}" srcOrd="0" destOrd="0" presId="urn:microsoft.com/office/officeart/2005/8/layout/hierarchy1"/>
+    <dgm:cxn modelId="{6B6ACF64-70DF-4999-B81A-DE3A986FD724}" type="presParOf" srcId="{AA8B44AF-62E2-482B-B3FC-7FB746293A75}" destId="{F8538592-6746-4C4B-94F2-6F78C027A106}" srcOrd="0" destOrd="0" presId="urn:microsoft.com/office/officeart/2005/8/layout/hierarchy1"/>
+    <dgm:cxn modelId="{17817B4D-92AA-4C8B-B488-A92C618E7DEE}" type="presParOf" srcId="{AA8B44AF-62E2-482B-B3FC-7FB746293A75}" destId="{BC12AAEC-9AF7-4447-AE3D-FB654DA30E80}" srcOrd="1" destOrd="0" presId="urn:microsoft.com/office/officeart/2005/8/layout/hierarchy1"/>
+    <dgm:cxn modelId="{062C643A-079D-4C30-BE3E-6DBA23E27482}" type="presParOf" srcId="{AFF323F6-3E42-4AFE-BEED-1FFB63DD7F5A}" destId="{A418733D-1129-4312-AA99-2750D6345652}" srcOrd="1" destOrd="0" presId="urn:microsoft.com/office/officeart/2005/8/layout/hierarchy1"/>
+    <dgm:cxn modelId="{13795E12-F733-4B2F-B77A-686A9C25E471}" type="presParOf" srcId="{A1B78445-D273-4414-A559-D35CDD4433BF}" destId="{638B6A6C-9A76-4D9D-8C5B-BBD084BFD7E5}" srcOrd="3" destOrd="0" presId="urn:microsoft.com/office/officeart/2005/8/layout/hierarchy1"/>
+    <dgm:cxn modelId="{866B0211-41C6-49DE-8C5F-11D14BAE2263}" type="presParOf" srcId="{638B6A6C-9A76-4D9D-8C5B-BBD084BFD7E5}" destId="{4D21D60B-5835-4820-A04A-97FD88F94060}" srcOrd="0" destOrd="0" presId="urn:microsoft.com/office/officeart/2005/8/layout/hierarchy1"/>
+    <dgm:cxn modelId="{64158553-45AD-4C12-A504-EA9C7EB59A15}" type="presParOf" srcId="{4D21D60B-5835-4820-A04A-97FD88F94060}" destId="{5CAAE894-2002-4A31-BE62-43B09BF25004}" srcOrd="0" destOrd="0" presId="urn:microsoft.com/office/officeart/2005/8/layout/hierarchy1"/>
+    <dgm:cxn modelId="{7A1DE6C7-C76B-4855-9586-43E55121EAD8}" type="presParOf" srcId="{4D21D60B-5835-4820-A04A-97FD88F94060}" destId="{C1A2E8E5-FC12-4754-A0C1-6D8E97864128}" srcOrd="1" destOrd="0" presId="urn:microsoft.com/office/officeart/2005/8/layout/hierarchy1"/>
+    <dgm:cxn modelId="{B9C9D3B7-E42D-4EF8-90EF-3FF144BEBF28}" type="presParOf" srcId="{638B6A6C-9A76-4D9D-8C5B-BBD084BFD7E5}" destId="{265A01EB-A5EA-4A9A-8F44-FF6B99177EC8}" srcOrd="1" destOrd="0" presId="urn:microsoft.com/office/officeart/2005/8/layout/hierarchy1"/>
+    <dgm:cxn modelId="{C91A577E-56E0-48AE-BC86-4E9499EA46EA}" type="presParOf" srcId="{A1B78445-D273-4414-A559-D35CDD4433BF}" destId="{7EA97288-257C-42DE-AF6F-8E488F4B40A3}" srcOrd="4" destOrd="0" presId="urn:microsoft.com/office/officeart/2005/8/layout/hierarchy1"/>
+    <dgm:cxn modelId="{41D045FB-FB66-457B-9DBD-BD33DB413E27}" type="presParOf" srcId="{7EA97288-257C-42DE-AF6F-8E488F4B40A3}" destId="{AF173E2C-F842-4CB5-B0FC-AFECD7A40202}" srcOrd="0" destOrd="0" presId="urn:microsoft.com/office/officeart/2005/8/layout/hierarchy1"/>
+    <dgm:cxn modelId="{E376D171-B2E0-4A87-8004-4921DD3194E4}" type="presParOf" srcId="{AF173E2C-F842-4CB5-B0FC-AFECD7A40202}" destId="{FB8ADE91-CA5F-4F12-A14E-7F4C2C3AE404}" srcOrd="0" destOrd="0" presId="urn:microsoft.com/office/officeart/2005/8/layout/hierarchy1"/>
+    <dgm:cxn modelId="{9BB86D71-CA1B-49DF-B3F3-E60B292F53FA}" type="presParOf" srcId="{AF173E2C-F842-4CB5-B0FC-AFECD7A40202}" destId="{B32F4529-947C-4DC1-B4CC-6EB01DE451E2}" srcOrd="1" destOrd="0" presId="urn:microsoft.com/office/officeart/2005/8/layout/hierarchy1"/>
+    <dgm:cxn modelId="{F1618429-753E-484B-AD3F-3B8759034347}" type="presParOf" srcId="{7EA97288-257C-42DE-AF6F-8E488F4B40A3}" destId="{50B9D493-74E5-470A-BDE0-348C8335BA82}" srcOrd="1" destOrd="0" presId="urn:microsoft.com/office/officeart/2005/8/layout/hierarchy1"/>
   </dgm:cxnLst>
   <dgm:bg/>
   <dgm:whole/>
@@ -14298,7 +14298,7 @@
           <p:nvPr>
             <p:extLst>
               <p:ext uri="{D42A27DB-BD31-4B8C-83A1-F6EECF244321}">
-                <p14:modId xmlns:p14="http://schemas.microsoft.com/office/powerpoint/2010/main" val="2823572993"/>
+                <p14:modId xmlns:p14="http://schemas.microsoft.com/office/powerpoint/2010/main" val="2467021300"/>
               </p:ext>
             </p:extLst>
           </p:nvPr>
@@ -15667,7 +15667,7 @@
         </p:spPr>
         <p:txBody>
           <a:bodyPr vert="horz" lIns="91440" tIns="45720" rIns="91440" bIns="45720" rtlCol="0" anchor="ctr">
-            <a:normAutofit/>
+            <a:normAutofit fontScale="85000" lnSpcReduction="10000"/>
           </a:bodyPr>
           <a:lstStyle/>
           <a:p>
@@ -15677,7 +15677,11 @@
             </a:pPr>
             <a:r>
               <a:rPr lang="en-US"/>
-              <a:t>The rapid advance of technology has transformed daily life, with smartphones, the internet, and artificial intelligence reshaping how we live and work. These changes bring unprecedented convenience and global connectivity but also challenges like data privacy and automation-related job concerns. Striking a balance between technology's benefits and drawbacks is crucial for individuals, businesses, and society. By harnessing technology wisely, we can enhance our lives while safeguarding our values.</a:t>
+              <a:t>The </a:t>
+            </a:r>
+            <a:r>
+              <a:rPr lang="en-US" dirty="0"/>
+              <a:t>development of a hotel booking application project represents a dynamic and evolving venture that caters to the modern traveler's needs. The project encompasses a range of intricate elements, including user-friendly interfaces, robust backend systems, secure payment gateways, and seamless data integration. Throughout the development process, factors like scalability, security, and user experience must be carefully considered and implemented. The ultimate goal is to create a reliable, user-centric platform that simplifies the hotel booking process, enhances customer satisfaction, and facilitates efficient hotel management. As the travel and hospitality industry continues to adapt to changing technologies and consumer preferences, a well-executed hotel booking app can stand as a valuable asset, offering travelers convenient solutions while supporting hoteliers in their quest to reach a broader audience and streamline their operations.</a:t>
             </a:r>
           </a:p>
         </p:txBody>
